--- a/tree/2022秋季-数据结构-第4章-树c.pptx
+++ b/tree/2022秋季-数据结构-第4章-树c.pptx
@@ -128,7 +128,7 @@
       </a:defRPr>
     </a:lvl9pPr>
   </p:defaultTextStyle>
-  <p:modifyVerifier cryptProviderType="rsaFull" cryptAlgorithmClass="hash" cryptAlgorithmType="typeAny" cryptAlgorithmSid="4" spinCount="100000" saltData="0XUorgY6+K7wIRYRyKy+XQ==" hashData="ml0D213mTMmhBlGaGKqyZuTpAbs="/>
+  <p:modifyVerifier cryptProviderType="rsaFull" cryptAlgorithmClass="hash" cryptAlgorithmType="typeAny" cryptAlgorithmSid="4" spinCount="100000" saltData="sd8vk2tuh9uLz/5C2d72+Q==" hashData="c8wwtZlDiUqg6KWJpVldVdNG9cA="/>
 </p:presentation>
 </file>
 
@@ -1159,8 +1159,8 @@
                   </a:schemeClr>
                 </a:solidFill>
                 <a:uFillTx/>
-                <a:latin typeface="Arial" panose="020B0604020202020204" pitchFamily="34" charset="0"/>
-                <a:ea typeface="黑体" charset="0"/>
+                <a:latin typeface="Consolas" panose="020B0609020204030204" charset="0"/>
+                <a:ea typeface="Heiti SC Light" panose="02000000000000000000" charset="-122"/>
               </a:defRPr>
             </a:lvl1pPr>
             <a:lvl2pPr>
@@ -1172,8 +1172,8 @@
                   </a:schemeClr>
                 </a:solidFill>
                 <a:uFillTx/>
-                <a:latin typeface="Arial" panose="020B0604020202020204" pitchFamily="34" charset="0"/>
-                <a:ea typeface="黑体" charset="0"/>
+                <a:latin typeface="Consolas" panose="020B0609020204030204" charset="0"/>
+                <a:ea typeface="Heiti SC Light" panose="02000000000000000000" charset="-122"/>
               </a:defRPr>
             </a:lvl2pPr>
             <a:lvl3pPr>
@@ -1185,8 +1185,8 @@
                   </a:schemeClr>
                 </a:solidFill>
                 <a:uFillTx/>
-                <a:latin typeface="Arial" panose="020B0604020202020204" pitchFamily="34" charset="0"/>
-                <a:ea typeface="黑体" charset="0"/>
+                <a:latin typeface="Consolas" panose="020B0609020204030204" charset="0"/>
+                <a:ea typeface="Heiti SC Light" panose="02000000000000000000" charset="-122"/>
               </a:defRPr>
             </a:lvl3pPr>
             <a:lvl4pPr>
@@ -1198,8 +1198,8 @@
                   </a:schemeClr>
                 </a:solidFill>
                 <a:uFillTx/>
-                <a:latin typeface="Arial" panose="020B0604020202020204" pitchFamily="34" charset="0"/>
-                <a:ea typeface="黑体" charset="0"/>
+                <a:latin typeface="Consolas" panose="020B0609020204030204" charset="0"/>
+                <a:ea typeface="Heiti SC Light" panose="02000000000000000000" charset="-122"/>
               </a:defRPr>
             </a:lvl4pPr>
             <a:lvl5pPr>
@@ -1211,8 +1211,8 @@
                   </a:schemeClr>
                 </a:solidFill>
                 <a:uFillTx/>
-                <a:latin typeface="Arial" panose="020B0604020202020204" pitchFamily="34" charset="0"/>
-                <a:ea typeface="黑体" charset="0"/>
+                <a:latin typeface="Consolas" panose="020B0609020204030204" charset="0"/>
+                <a:ea typeface="Heiti SC Light" panose="02000000000000000000" charset="-122"/>
               </a:defRPr>
             </a:lvl5pPr>
           </a:lstStyle>
@@ -27986,7 +27986,17 @@
           <a:p>
             <a:r>
               <a:rPr lang="zh-CN" altLang="en-US"/>
-              <a:t>“优先队列”（Priority Queue）是特殊的“队列”，从堆中取出元素的顺序是依照元素的优先权（关键字）大小，而不是元素进入队列的先后顺序</a:t>
+              <a:t>“优先队列”（</a:t>
+            </a:r>
+            <a:r>
+              <a:rPr lang="zh-CN" altLang="en-US">
+                <a:cs typeface="Consolas" panose="020B0609020204030204" charset="0"/>
+              </a:rPr>
+              <a:t>Priority Queue</a:t>
+            </a:r>
+            <a:r>
+              <a:rPr lang="zh-CN" altLang="en-US"/>
+              <a:t>）是特殊的“队列”，从堆中取出元素的顺序是依照元素的优先权（关键字）大小，而不是元素进入队列的先后顺序</a:t>
             </a:r>
             <a:endParaRPr lang="zh-CN" altLang="en-US"/>
           </a:p>
